--- a/Презентація.pptx
+++ b/Презентація.pptx
@@ -7,11 +7,12 @@
   <p:sldIdLst>
     <p:sldId id="256" r:id="rId2"/>
     <p:sldId id="261" r:id="rId3"/>
-    <p:sldId id="273" r:id="rId4"/>
-    <p:sldId id="274" r:id="rId5"/>
-    <p:sldId id="275" r:id="rId6"/>
-    <p:sldId id="276" r:id="rId7"/>
-    <p:sldId id="272" r:id="rId8"/>
+    <p:sldId id="274" r:id="rId4"/>
+    <p:sldId id="275" r:id="rId5"/>
+    <p:sldId id="277" r:id="rId6"/>
+    <p:sldId id="279" r:id="rId7"/>
+    <p:sldId id="278" r:id="rId8"/>
+    <p:sldId id="272" r:id="rId9"/>
   </p:sldIdLst>
   <p:sldSz cx="12192000" cy="6858000"/>
   <p:notesSz cx="6858000" cy="9144000"/>
@@ -117,10 +118,11 @@
           <p14:sldIdLst>
             <p14:sldId id="256"/>
             <p14:sldId id="261"/>
-            <p14:sldId id="273"/>
             <p14:sldId id="274"/>
             <p14:sldId id="275"/>
-            <p14:sldId id="276"/>
+            <p14:sldId id="277"/>
+            <p14:sldId id="279"/>
+            <p14:sldId id="278"/>
             <p14:sldId id="272"/>
           </p14:sldIdLst>
         </p14:section>
@@ -295,7 +297,7 @@
           <a:p>
             <a:fld id="{28A33EE3-AA99-4540-81B8-B0D9CFDF61FB}" type="datetimeFigureOut">
               <a:rPr lang="en-US" smtClean="0"/>
-              <a:t>6/5/2024</a:t>
+              <a:t>6/7/2024</a:t>
             </a:fld>
             <a:endParaRPr lang="en-US"/>
           </a:p>
@@ -463,7 +465,7 @@
           <a:p>
             <a:fld id="{28A33EE3-AA99-4540-81B8-B0D9CFDF61FB}" type="datetimeFigureOut">
               <a:rPr lang="en-US" smtClean="0"/>
-              <a:t>6/5/2024</a:t>
+              <a:t>6/7/2024</a:t>
             </a:fld>
             <a:endParaRPr lang="en-US"/>
           </a:p>
@@ -641,7 +643,7 @@
           <a:p>
             <a:fld id="{28A33EE3-AA99-4540-81B8-B0D9CFDF61FB}" type="datetimeFigureOut">
               <a:rPr lang="en-US" smtClean="0"/>
-              <a:t>6/5/2024</a:t>
+              <a:t>6/7/2024</a:t>
             </a:fld>
             <a:endParaRPr lang="en-US"/>
           </a:p>
@@ -809,7 +811,7 @@
           <a:p>
             <a:fld id="{28A33EE3-AA99-4540-81B8-B0D9CFDF61FB}" type="datetimeFigureOut">
               <a:rPr lang="en-US" smtClean="0"/>
-              <a:t>6/5/2024</a:t>
+              <a:t>6/7/2024</a:t>
             </a:fld>
             <a:endParaRPr lang="en-US"/>
           </a:p>
@@ -1054,7 +1056,7 @@
           <a:p>
             <a:fld id="{28A33EE3-AA99-4540-81B8-B0D9CFDF61FB}" type="datetimeFigureOut">
               <a:rPr lang="en-US" smtClean="0"/>
-              <a:t>6/5/2024</a:t>
+              <a:t>6/7/2024</a:t>
             </a:fld>
             <a:endParaRPr lang="en-US"/>
           </a:p>
@@ -1283,7 +1285,7 @@
           <a:p>
             <a:fld id="{28A33EE3-AA99-4540-81B8-B0D9CFDF61FB}" type="datetimeFigureOut">
               <a:rPr lang="en-US" smtClean="0"/>
-              <a:t>6/5/2024</a:t>
+              <a:t>6/7/2024</a:t>
             </a:fld>
             <a:endParaRPr lang="en-US"/>
           </a:p>
@@ -1647,7 +1649,7 @@
           <a:p>
             <a:fld id="{28A33EE3-AA99-4540-81B8-B0D9CFDF61FB}" type="datetimeFigureOut">
               <a:rPr lang="en-US" smtClean="0"/>
-              <a:t>6/5/2024</a:t>
+              <a:t>6/7/2024</a:t>
             </a:fld>
             <a:endParaRPr lang="en-US"/>
           </a:p>
@@ -1764,7 +1766,7 @@
           <a:p>
             <a:fld id="{28A33EE3-AA99-4540-81B8-B0D9CFDF61FB}" type="datetimeFigureOut">
               <a:rPr lang="en-US" smtClean="0"/>
-              <a:t>6/5/2024</a:t>
+              <a:t>6/7/2024</a:t>
             </a:fld>
             <a:endParaRPr lang="en-US"/>
           </a:p>
@@ -1859,7 +1861,7 @@
           <a:p>
             <a:fld id="{28A33EE3-AA99-4540-81B8-B0D9CFDF61FB}" type="datetimeFigureOut">
               <a:rPr lang="en-US" smtClean="0"/>
-              <a:t>6/5/2024</a:t>
+              <a:t>6/7/2024</a:t>
             </a:fld>
             <a:endParaRPr lang="en-US"/>
           </a:p>
@@ -2134,7 +2136,7 @@
           <a:p>
             <a:fld id="{28A33EE3-AA99-4540-81B8-B0D9CFDF61FB}" type="datetimeFigureOut">
               <a:rPr lang="en-US" smtClean="0"/>
-              <a:t>6/5/2024</a:t>
+              <a:t>6/7/2024</a:t>
             </a:fld>
             <a:endParaRPr lang="en-US"/>
           </a:p>
@@ -2386,7 +2388,7 @@
           <a:p>
             <a:fld id="{28A33EE3-AA99-4540-81B8-B0D9CFDF61FB}" type="datetimeFigureOut">
               <a:rPr lang="en-US" smtClean="0"/>
-              <a:t>6/5/2024</a:t>
+              <a:t>6/7/2024</a:t>
             </a:fld>
             <a:endParaRPr lang="en-US"/>
           </a:p>
@@ -2627,7 +2629,7 @@
           <a:p>
             <a:fld id="{28A33EE3-AA99-4540-81B8-B0D9CFDF61FB}" type="datetimeFigureOut">
               <a:rPr lang="en-US" smtClean="0"/>
-              <a:t>6/5/2024</a:t>
+              <a:t>6/7/2024</a:t>
             </a:fld>
             <a:endParaRPr lang="en-US"/>
           </a:p>
@@ -3132,39 +3134,79 @@
         </p:nvSpPr>
         <p:spPr>
           <a:xfrm>
-            <a:off x="5620132" y="4936205"/>
+            <a:off x="6789905" y="4946183"/>
             <a:ext cx="6363354" cy="1849395"/>
           </a:xfrm>
         </p:spPr>
         <p:txBody>
           <a:bodyPr vert="horz" lIns="91440" tIns="45720" rIns="91440" bIns="45720" rtlCol="0">
-            <a:normAutofit fontScale="92500" lnSpcReduction="10000"/>
+            <a:normAutofit/>
           </a:bodyPr>
           <a:lstStyle/>
           <a:p>
-            <a:pPr algn="r"/>
+            <a:pPr algn="l"/>
             <a:r>
               <a:rPr lang="uk-UA" sz="2000" dirty="0">
                 <a:solidFill>
                   <a:srgbClr val="49527C"/>
                 </a:solidFill>
               </a:rPr>
-              <a:t>Виконав: Васьківський В. Ю.</a:t>
-            </a:r>
-          </a:p>
-          <a:p>
-            <a:pPr algn="r"/>
+              <a:t>Виконав: </a:t>
+            </a:r>
+            <a:r>
+              <a:rPr lang="en-US" sz="2000" dirty="0">
+                <a:solidFill>
+                  <a:srgbClr val="49527C"/>
+                </a:solidFill>
+              </a:rPr>
+              <a:t>               </a:t>
+            </a:r>
+            <a:r>
+              <a:rPr lang="uk-UA" sz="2000" dirty="0" err="1">
+                <a:solidFill>
+                  <a:srgbClr val="49527C"/>
+                </a:solidFill>
+              </a:rPr>
+              <a:t>Васьківський</a:t>
+            </a:r>
             <a:r>
               <a:rPr lang="uk-UA" sz="2000" dirty="0">
                 <a:solidFill>
                   <a:srgbClr val="49527C"/>
                 </a:solidFill>
               </a:rPr>
-              <a:t>Група: ІПЗ-20-4</a:t>
-            </a:r>
-          </a:p>
-          <a:p>
-            <a:pPr algn="r"/>
+              <a:t> Віталій Юрійович</a:t>
+            </a:r>
+          </a:p>
+          <a:p>
+            <a:pPr algn="l"/>
+            <a:r>
+              <a:rPr lang="uk-UA" sz="2000" dirty="0">
+                <a:solidFill>
+                  <a:srgbClr val="49527C"/>
+                </a:solidFill>
+              </a:rPr>
+              <a:t>Група: </a:t>
+            </a:r>
+            <a:r>
+              <a:rPr lang="en-US" sz="2000" dirty="0">
+                <a:solidFill>
+                  <a:srgbClr val="49527C"/>
+                </a:solidFill>
+              </a:rPr>
+              <a:t>                     </a:t>
+            </a:r>
+            <a:r>
+              <a:rPr lang="uk-UA" sz="2000" dirty="0">
+                <a:solidFill>
+                  <a:srgbClr val="49527C"/>
+                </a:solidFill>
+              </a:rPr>
+              <a:t>ІПЗ-20-4</a:t>
+            </a:r>
+          </a:p>
+          <a:p>
+            <a:pPr algn="l"/>
             <a:r>
               <a:rPr lang="ru-RU" sz="2000" dirty="0" err="1">
                 <a:solidFill>
@@ -3211,11 +3253,40 @@
                   <a:srgbClr val="49527C"/>
                 </a:solidFill>
               </a:rPr>
-              <a:t> І. В.</a:t>
-            </a:r>
-          </a:p>
-          <a:p>
-            <a:pPr algn="r"/>
+              <a:t> </a:t>
+            </a:r>
+            <a:r>
+              <a:rPr lang="ru-RU" sz="2000" dirty="0" err="1">
+                <a:solidFill>
+                  <a:srgbClr val="49527C"/>
+                </a:solidFill>
+              </a:rPr>
+              <a:t>Ірина</a:t>
+            </a:r>
+            <a:r>
+              <a:rPr lang="ru-RU" sz="2000" dirty="0">
+                <a:solidFill>
+                  <a:srgbClr val="49527C"/>
+                </a:solidFill>
+              </a:rPr>
+              <a:t> </a:t>
+            </a:r>
+            <a:r>
+              <a:rPr lang="ru-RU" sz="2000" dirty="0" err="1">
+                <a:solidFill>
+                  <a:srgbClr val="49527C"/>
+                </a:solidFill>
+              </a:rPr>
+              <a:t>Валеріївна</a:t>
+            </a:r>
+            <a:endParaRPr lang="ru-RU" sz="2000" dirty="0">
+              <a:solidFill>
+                <a:srgbClr val="49527C"/>
+              </a:solidFill>
+            </a:endParaRPr>
+          </a:p>
+          <a:p>
+            <a:pPr algn="l"/>
             <a:r>
               <a:rPr lang="uk-UA" sz="2000" dirty="0">
                 <a:solidFill>
@@ -3225,6 +3296,14 @@
               <a:t>Консультант: </a:t>
             </a:r>
             <a:r>
+              <a:rPr lang="en-US" sz="2000" dirty="0">
+                <a:solidFill>
+                  <a:srgbClr val="49527C"/>
+                </a:solidFill>
+              </a:rPr>
+              <a:t>         </a:t>
+            </a:r>
+            <a:r>
               <a:rPr lang="uk-UA" sz="2000" dirty="0" err="1">
                 <a:solidFill>
                   <a:srgbClr val="49527C"/>
@@ -3238,19 +3317,21 @@
                   <a:srgbClr val="49527C"/>
                 </a:solidFill>
               </a:rPr>
-              <a:t> О. Г.</a:t>
-            </a:r>
-          </a:p>
-          <a:p>
-            <a:pPr algn="r"/>
-            <a:r>
-              <a:rPr lang="uk-UA" sz="2000" dirty="0">
-                <a:solidFill>
-                  <a:srgbClr val="49527C"/>
-                </a:solidFill>
-              </a:rPr>
-              <a:t>Рецензент: Кравченко С. М.</a:t>
-            </a:r>
+              <a:t> Олена </a:t>
+            </a:r>
+            <a:r>
+              <a:rPr lang="uk-UA" sz="2000" dirty="0" err="1">
+                <a:solidFill>
+                  <a:srgbClr val="49527C"/>
+                </a:solidFill>
+              </a:rPr>
+              <a:t>Генадіївна</a:t>
+            </a:r>
+            <a:endParaRPr lang="uk-UA" sz="2000" dirty="0">
+              <a:solidFill>
+                <a:srgbClr val="49527C"/>
+              </a:solidFill>
+            </a:endParaRPr>
           </a:p>
         </p:txBody>
       </p:sp>
@@ -3683,20 +3764,14 @@
           <a:p>
             <a:pPr algn="ctr"/>
             <a:r>
-              <a:rPr lang="uk-UA" sz="6000" b="1" dirty="0">
+              <a:rPr lang="en-US" sz="6000" b="1" dirty="0">
                 <a:solidFill>
                   <a:srgbClr val="49527C"/>
                 </a:solidFill>
                 <a:latin typeface="Calibri (Основний текст)"/>
               </a:rPr>
-              <a:t>Актуальність</a:t>
-            </a:r>
-            <a:endParaRPr lang="en-US" sz="6000" b="1" dirty="0">
-              <a:solidFill>
-                <a:srgbClr val="49527C"/>
-              </a:solidFill>
-              <a:latin typeface="Calibri (Основний текст)"/>
-            </a:endParaRPr>
+              <a:t>Telegram</a:t>
+            </a:r>
           </a:p>
         </p:txBody>
       </p:sp>
@@ -3714,117 +3789,7 @@
         </p:nvSpPr>
         <p:spPr>
           <a:xfrm>
-            <a:off x="1927671" y="2463195"/>
-            <a:ext cx="8405890" cy="2308324"/>
-          </a:xfrm>
-          <a:prstGeom prst="rect">
-            <a:avLst/>
-          </a:prstGeom>
-          <a:noFill/>
-        </p:spPr>
-        <p:txBody>
-          <a:bodyPr wrap="square" rtlCol="0">
-            <a:spAutoFit/>
-          </a:bodyPr>
-          <a:lstStyle/>
-          <a:p>
-            <a:pPr algn="just"/>
-            <a:r>
-              <a:rPr lang="uk-UA" sz="2400" dirty="0">
-                <a:solidFill>
-                  <a:srgbClr val="49527C"/>
-                </a:solidFill>
-              </a:rPr>
-              <a:t>У сучасному світі роль месенджерів стабільно висока з ростом цифрової комунікації. З огляду на зростаючу потребу у спілкуванні онлайн, месенджери залишаються важливим інструментом для особистої та професійної комунікації. Вони не лише сприяють зручності спілкування, але й впливають на розвиток бізнесу, навчання та інші аспекти життя.</a:t>
-            </a:r>
-            <a:endParaRPr lang="en-US" sz="2400" dirty="0">
-              <a:solidFill>
-                <a:srgbClr val="49527C"/>
-              </a:solidFill>
-            </a:endParaRPr>
-          </a:p>
-        </p:txBody>
-      </p:sp>
-    </p:spTree>
-    <p:extLst>
-      <p:ext uri="{BB962C8B-B14F-4D97-AF65-F5344CB8AC3E}">
-        <p14:creationId xmlns:p14="http://schemas.microsoft.com/office/powerpoint/2010/main" val="4165357287"/>
-      </p:ext>
-    </p:extLst>
-  </p:cSld>
-  <p:clrMapOvr>
-    <a:masterClrMapping/>
-  </p:clrMapOvr>
-</p:sld>
-</file>
-
-<file path=ppt/slides/slide4.xml><?xml version="1.0" encoding="utf-8"?>
-<p:sld xmlns:a="http://schemas.openxmlformats.org/drawingml/2006/main" xmlns:r="http://schemas.openxmlformats.org/officeDocument/2006/relationships" xmlns:p="http://schemas.openxmlformats.org/presentationml/2006/main">
-  <p:cSld>
-    <p:spTree>
-      <p:nvGrpSpPr>
-        <p:cNvPr id="1" name=""/>
-        <p:cNvGrpSpPr/>
-        <p:nvPr/>
-      </p:nvGrpSpPr>
-      <p:grpSpPr>
-        <a:xfrm>
-          <a:off x="0" y="0"/>
-          <a:ext cx="0" cy="0"/>
-          <a:chOff x="0" y="0"/>
-          <a:chExt cx="0" cy="0"/>
-        </a:xfrm>
-      </p:grpSpPr>
-      <p:sp>
-        <p:nvSpPr>
-          <p:cNvPr id="2" name="Title 1"/>
-          <p:cNvSpPr>
-            <a:spLocks noGrp="1"/>
-          </p:cNvSpPr>
-          <p:nvPr>
-            <p:ph type="title"/>
-          </p:nvPr>
-        </p:nvSpPr>
-        <p:spPr>
-          <a:xfrm>
-            <a:off x="1331976" y="308038"/>
-            <a:ext cx="9597281" cy="1325563"/>
-          </a:xfrm>
-        </p:spPr>
-        <p:txBody>
-          <a:bodyPr>
-            <a:normAutofit/>
-          </a:bodyPr>
-          <a:lstStyle/>
-          <a:p>
-            <a:pPr algn="ctr"/>
-            <a:r>
-              <a:rPr lang="en-US" sz="6000" b="1" dirty="0">
-                <a:solidFill>
-                  <a:srgbClr val="49527C"/>
-                </a:solidFill>
-                <a:latin typeface="Calibri (Основний текст)"/>
-              </a:rPr>
-              <a:t>Telegram</a:t>
-            </a:r>
-          </a:p>
-        </p:txBody>
-      </p:sp>
-      <p:sp>
-        <p:nvSpPr>
-          <p:cNvPr id="3" name="TextBox 2">
-            <a:extLst>
-              <a:ext uri="{FF2B5EF4-FFF2-40B4-BE49-F238E27FC236}">
-                <a16:creationId xmlns:a16="http://schemas.microsoft.com/office/drawing/2014/main" id="{A5DF826D-DB09-41FC-8E7B-C0285FCFC377}"/>
-              </a:ext>
-            </a:extLst>
-          </p:cNvPr>
-          <p:cNvSpPr txBox="1"/>
-          <p:nvPr/>
-        </p:nvSpPr>
-        <p:spPr>
-          <a:xfrm>
-            <a:off x="7065910" y="2183194"/>
+            <a:off x="7040510" y="1852994"/>
             <a:ext cx="4878439" cy="4524315"/>
           </a:xfrm>
           <a:prstGeom prst="rect">
@@ -3892,7 +3857,7 @@
                   <a:srgbClr val="49527C"/>
                 </a:solidFill>
               </a:rPr>
-              <a:t>- широкий функціонал;</a:t>
+              <a:t>- широка інтеграція;</a:t>
             </a:r>
             <a:endParaRPr lang="en-US" sz="2400" dirty="0">
               <a:solidFill>
@@ -3921,22 +3886,11 @@
           </a:p>
           <a:p>
             <a:pPr lvl="0"/>
-            <a:r>
-              <a:rPr lang="uk-UA" sz="2400" dirty="0">
-                <a:solidFill>
-                  <a:srgbClr val="49527C"/>
-                </a:solidFill>
-              </a:rPr>
-              <a:t>- самознищення повідомлень</a:t>
-            </a:r>
-            <a:r>
-              <a:rPr lang="en-US" sz="2400" dirty="0">
-                <a:solidFill>
-                  <a:srgbClr val="49527C"/>
-                </a:solidFill>
-              </a:rPr>
-              <a:t>;</a:t>
-            </a:r>
+            <a:endParaRPr lang="en-US" sz="2400" dirty="0">
+              <a:solidFill>
+                <a:srgbClr val="49527C"/>
+              </a:solidFill>
+            </a:endParaRPr>
           </a:p>
           <a:p>
             <a:r>
@@ -4213,7 +4167,7 @@
 </p:sld>
 </file>
 
-<file path=ppt/slides/slide5.xml><?xml version="1.0" encoding="utf-8"?>
+<file path=ppt/slides/slide4.xml><?xml version="1.0" encoding="utf-8"?>
 <p:sld xmlns:a="http://schemas.openxmlformats.org/drawingml/2006/main" xmlns:r="http://schemas.openxmlformats.org/officeDocument/2006/relationships" xmlns:p="http://schemas.openxmlformats.org/presentationml/2006/main">
   <p:cSld>
     <p:spTree>
@@ -4279,7 +4233,7 @@
         </p:nvSpPr>
         <p:spPr>
           <a:xfrm>
-            <a:off x="6678732" y="2018476"/>
+            <a:off x="6670265" y="2111609"/>
             <a:ext cx="4878439" cy="4154984"/>
           </a:xfrm>
           <a:prstGeom prst="rect">
@@ -4358,13 +4312,58 @@
           <a:p>
             <a:pPr lvl="0"/>
             <a:r>
+              <a:rPr lang="en-US" sz="2400" dirty="0">
+                <a:solidFill>
+                  <a:srgbClr val="49527C"/>
+                </a:solidFill>
+              </a:rPr>
+              <a:t>- </a:t>
+            </a:r>
+            <a:r>
               <a:rPr lang="uk-UA" sz="2400" dirty="0">
                 <a:solidFill>
                   <a:srgbClr val="49527C"/>
                 </a:solidFill>
               </a:rPr>
-              <a:t>- популярність.</a:t>
-            </a:r>
+              <a:t>популярність</a:t>
+            </a:r>
+            <a:r>
+              <a:rPr lang="en-US" sz="2400" dirty="0">
+                <a:solidFill>
+                  <a:srgbClr val="49527C"/>
+                </a:solidFill>
+              </a:rPr>
+              <a:t>;</a:t>
+            </a:r>
+          </a:p>
+          <a:p>
+            <a:r>
+              <a:rPr lang="en-US" sz="2400" dirty="0">
+                <a:solidFill>
+                  <a:srgbClr val="49527C"/>
+                </a:solidFill>
+              </a:rPr>
+              <a:t>- </a:t>
+            </a:r>
+            <a:r>
+              <a:rPr lang="uk-UA" sz="2400" dirty="0">
+                <a:solidFill>
+                  <a:srgbClr val="49527C"/>
+                </a:solidFill>
+              </a:rPr>
+              <a:t>мале споживання ресурсів</a:t>
+            </a:r>
+            <a:r>
+              <a:rPr lang="en-US" sz="2400" dirty="0">
+                <a:solidFill>
+                  <a:srgbClr val="49527C"/>
+                </a:solidFill>
+              </a:rPr>
+              <a:t>;</a:t>
+            </a:r>
+          </a:p>
+          <a:p>
+            <a:pPr lvl="0"/>
             <a:endParaRPr lang="en-US" sz="2400" dirty="0">
               <a:solidFill>
                 <a:srgbClr val="49527C"/>
@@ -4411,22 +4410,6 @@
                 </a:solidFill>
               </a:rPr>
               <a:t>- обмеження на використання одного облікового запису на одному пристрої;</a:t>
-            </a:r>
-            <a:endParaRPr lang="en-US" sz="2400" dirty="0">
-              <a:solidFill>
-                <a:srgbClr val="49527C"/>
-              </a:solidFill>
-            </a:endParaRPr>
-          </a:p>
-          <a:p>
-            <a:pPr lvl="0"/>
-            <a:r>
-              <a:rPr lang="uk-UA" sz="2400" dirty="0">
-                <a:solidFill>
-                  <a:srgbClr val="49527C"/>
-                </a:solidFill>
-              </a:rPr>
-              <a:t>- недостатній функціонал для бізнесу.</a:t>
             </a:r>
             <a:endParaRPr lang="en-US" sz="2400" dirty="0">
               <a:solidFill>
@@ -4486,6 +4469,444 @@
 </p:sld>
 </file>
 
+<file path=ppt/slides/slide5.xml><?xml version="1.0" encoding="utf-8"?>
+<p:sld xmlns:a="http://schemas.openxmlformats.org/drawingml/2006/main" xmlns:r="http://schemas.openxmlformats.org/officeDocument/2006/relationships" xmlns:p="http://schemas.openxmlformats.org/presentationml/2006/main">
+  <p:cSld>
+    <p:spTree>
+      <p:nvGrpSpPr>
+        <p:cNvPr id="1" name=""/>
+        <p:cNvGrpSpPr/>
+        <p:nvPr/>
+      </p:nvGrpSpPr>
+      <p:grpSpPr>
+        <a:xfrm>
+          <a:off x="0" y="0"/>
+          <a:ext cx="0" cy="0"/>
+          <a:chOff x="0" y="0"/>
+          <a:chExt cx="0" cy="0"/>
+        </a:xfrm>
+      </p:grpSpPr>
+      <p:sp>
+        <p:nvSpPr>
+          <p:cNvPr id="2" name="Title 1"/>
+          <p:cNvSpPr>
+            <a:spLocks noGrp="1"/>
+          </p:cNvSpPr>
+          <p:nvPr>
+            <p:ph type="title"/>
+          </p:nvPr>
+        </p:nvSpPr>
+        <p:spPr>
+          <a:xfrm>
+            <a:off x="1331974" y="785832"/>
+            <a:ext cx="9597281" cy="1325563"/>
+          </a:xfrm>
+        </p:spPr>
+        <p:txBody>
+          <a:bodyPr>
+            <a:normAutofit/>
+          </a:bodyPr>
+          <a:lstStyle/>
+          <a:p>
+            <a:pPr algn="ctr"/>
+            <a:r>
+              <a:rPr lang="uk-UA" sz="6000" b="1" dirty="0">
+                <a:solidFill>
+                  <a:srgbClr val="49527C"/>
+                </a:solidFill>
+                <a:latin typeface="Calibri (Основний текст)"/>
+              </a:rPr>
+              <a:t>Порівняння аналогів</a:t>
+            </a:r>
+            <a:endParaRPr lang="en-US" sz="6000" b="1" dirty="0">
+              <a:solidFill>
+                <a:srgbClr val="49527C"/>
+              </a:solidFill>
+              <a:latin typeface="Calibri (Основний текст)"/>
+            </a:endParaRPr>
+          </a:p>
+        </p:txBody>
+      </p:sp>
+      <p:graphicFrame>
+        <p:nvGraphicFramePr>
+          <p:cNvPr id="4" name="Таблиця 3">
+            <a:extLst>
+              <a:ext uri="{FF2B5EF4-FFF2-40B4-BE49-F238E27FC236}">
+                <a16:creationId xmlns:a16="http://schemas.microsoft.com/office/drawing/2014/main" id="{571B84C6-490A-486F-9CD7-D23EE960FE22}"/>
+              </a:ext>
+            </a:extLst>
+          </p:cNvPr>
+          <p:cNvGraphicFramePr>
+            <a:graphicFrameLocks noGrp="1"/>
+          </p:cNvGraphicFramePr>
+          <p:nvPr>
+            <p:extLst>
+              <p:ext uri="{D42A27DB-BD31-4B8C-83A1-F6EECF244321}">
+                <p14:modId xmlns:p14="http://schemas.microsoft.com/office/powerpoint/2010/main" val="4126178573"/>
+              </p:ext>
+            </p:extLst>
+          </p:nvPr>
+        </p:nvGraphicFramePr>
+        <p:xfrm>
+          <a:off x="2066616" y="2877979"/>
+          <a:ext cx="8127999" cy="2225040"/>
+        </p:xfrm>
+        <a:graphic>
+          <a:graphicData uri="http://schemas.openxmlformats.org/drawingml/2006/table">
+            <a:tbl>
+              <a:tblPr firstRow="1" bandRow="1">
+                <a:tableStyleId>{5C22544A-7EE6-4342-B048-85BDC9FD1C3A}</a:tableStyleId>
+              </a:tblPr>
+              <a:tblGrid>
+                <a:gridCol w="3551589">
+                  <a:extLst>
+                    <a:ext uri="{9D8B030D-6E8A-4147-A177-3AD203B41FA5}">
+                      <a16:colId xmlns:a16="http://schemas.microsoft.com/office/drawing/2014/main" val="3094943539"/>
+                    </a:ext>
+                  </a:extLst>
+                </a:gridCol>
+                <a:gridCol w="2446638">
+                  <a:extLst>
+                    <a:ext uri="{9D8B030D-6E8A-4147-A177-3AD203B41FA5}">
+                      <a16:colId xmlns:a16="http://schemas.microsoft.com/office/drawing/2014/main" val="3000765270"/>
+                    </a:ext>
+                  </a:extLst>
+                </a:gridCol>
+                <a:gridCol w="2129772">
+                  <a:extLst>
+                    <a:ext uri="{9D8B030D-6E8A-4147-A177-3AD203B41FA5}">
+                      <a16:colId xmlns:a16="http://schemas.microsoft.com/office/drawing/2014/main" val="841633157"/>
+                    </a:ext>
+                  </a:extLst>
+                </a:gridCol>
+              </a:tblGrid>
+              <a:tr h="370840">
+                <a:tc>
+                  <a:txBody>
+                    <a:bodyPr/>
+                    <a:lstStyle/>
+                    <a:p>
+                      <a:pPr algn="ctr"/>
+                      <a:r>
+                        <a:rPr lang="uk-UA"/>
+                        <a:t>Характеристика</a:t>
+                      </a:r>
+                      <a:endParaRPr lang="en-US" dirty="0"/>
+                    </a:p>
+                  </a:txBody>
+                  <a:tcPr/>
+                </a:tc>
+                <a:tc>
+                  <a:txBody>
+                    <a:bodyPr/>
+                    <a:lstStyle/>
+                    <a:p>
+                      <a:pPr algn="ctr"/>
+                      <a:r>
+                        <a:rPr lang="en-US" dirty="0"/>
+                        <a:t>Telegram</a:t>
+                      </a:r>
+                    </a:p>
+                  </a:txBody>
+                  <a:tcPr/>
+                </a:tc>
+                <a:tc>
+                  <a:txBody>
+                    <a:bodyPr/>
+                    <a:lstStyle/>
+                    <a:p>
+                      <a:pPr algn="ctr"/>
+                      <a:r>
+                        <a:rPr lang="en-US" dirty="0"/>
+                        <a:t>WhatsApp</a:t>
+                      </a:r>
+                    </a:p>
+                  </a:txBody>
+                  <a:tcPr/>
+                </a:tc>
+                <a:extLst>
+                  <a:ext uri="{0D108BD9-81ED-4DB2-BD59-A6C34878D82A}">
+                    <a16:rowId xmlns:a16="http://schemas.microsoft.com/office/drawing/2014/main" val="2412390700"/>
+                  </a:ext>
+                </a:extLst>
+              </a:tr>
+              <a:tr h="370840">
+                <a:tc>
+                  <a:txBody>
+                    <a:bodyPr/>
+                    <a:lstStyle/>
+                    <a:p>
+                      <a:pPr algn="ctr"/>
+                      <a:r>
+                        <a:rPr lang="uk-UA"/>
+                        <a:t>Інтуїтивний та зрозумілий дизайн</a:t>
+                      </a:r>
+                      <a:endParaRPr lang="en-US" dirty="0"/>
+                    </a:p>
+                  </a:txBody>
+                  <a:tcPr/>
+                </a:tc>
+                <a:tc>
+                  <a:txBody>
+                    <a:bodyPr/>
+                    <a:lstStyle/>
+                    <a:p>
+                      <a:pPr algn="ctr"/>
+                      <a:r>
+                        <a:rPr lang="uk-UA" dirty="0"/>
+                        <a:t>+</a:t>
+                      </a:r>
+                      <a:endParaRPr lang="en-US" dirty="0"/>
+                    </a:p>
+                  </a:txBody>
+                  <a:tcPr/>
+                </a:tc>
+                <a:tc>
+                  <a:txBody>
+                    <a:bodyPr/>
+                    <a:lstStyle/>
+                    <a:p>
+                      <a:pPr algn="ctr"/>
+                      <a:r>
+                        <a:rPr lang="uk-UA" dirty="0"/>
+                        <a:t>+</a:t>
+                      </a:r>
+                      <a:endParaRPr lang="en-US" dirty="0"/>
+                    </a:p>
+                  </a:txBody>
+                  <a:tcPr/>
+                </a:tc>
+                <a:extLst>
+                  <a:ext uri="{0D108BD9-81ED-4DB2-BD59-A6C34878D82A}">
+                    <a16:rowId xmlns:a16="http://schemas.microsoft.com/office/drawing/2014/main" val="303084997"/>
+                  </a:ext>
+                </a:extLst>
+              </a:tr>
+              <a:tr h="370840">
+                <a:tc>
+                  <a:txBody>
+                    <a:bodyPr/>
+                    <a:lstStyle/>
+                    <a:p>
+                      <a:pPr algn="ctr"/>
+                      <a:r>
+                        <a:rPr lang="uk-UA" dirty="0"/>
+                        <a:t>Висока безпека</a:t>
+                      </a:r>
+                      <a:endParaRPr lang="en-US" dirty="0"/>
+                    </a:p>
+                  </a:txBody>
+                  <a:tcPr/>
+                </a:tc>
+                <a:tc>
+                  <a:txBody>
+                    <a:bodyPr/>
+                    <a:lstStyle/>
+                    <a:p>
+                      <a:pPr algn="ctr"/>
+                      <a:r>
+                        <a:rPr lang="uk-UA" dirty="0"/>
+                        <a:t>+</a:t>
+                      </a:r>
+                      <a:endParaRPr lang="en-US" dirty="0"/>
+                    </a:p>
+                  </a:txBody>
+                  <a:tcPr/>
+                </a:tc>
+                <a:tc>
+                  <a:txBody>
+                    <a:bodyPr/>
+                    <a:lstStyle/>
+                    <a:p>
+                      <a:pPr algn="ctr"/>
+                      <a:r>
+                        <a:rPr lang="uk-UA" dirty="0"/>
+                        <a:t>+</a:t>
+                      </a:r>
+                      <a:endParaRPr lang="en-US" dirty="0"/>
+                    </a:p>
+                  </a:txBody>
+                  <a:tcPr/>
+                </a:tc>
+                <a:extLst>
+                  <a:ext uri="{0D108BD9-81ED-4DB2-BD59-A6C34878D82A}">
+                    <a16:rowId xmlns:a16="http://schemas.microsoft.com/office/drawing/2014/main" val="2850283099"/>
+                  </a:ext>
+                </a:extLst>
+              </a:tr>
+              <a:tr h="370840">
+                <a:tc>
+                  <a:txBody>
+                    <a:bodyPr/>
+                    <a:lstStyle/>
+                    <a:p>
+                      <a:pPr algn="ctr"/>
+                      <a:r>
+                        <a:rPr lang="uk-UA" dirty="0"/>
+                        <a:t>Широка інтеграція</a:t>
+                      </a:r>
+                      <a:endParaRPr lang="en-US" dirty="0"/>
+                    </a:p>
+                  </a:txBody>
+                  <a:tcPr/>
+                </a:tc>
+                <a:tc>
+                  <a:txBody>
+                    <a:bodyPr/>
+                    <a:lstStyle/>
+                    <a:p>
+                      <a:pPr algn="ctr"/>
+                      <a:r>
+                        <a:rPr lang="uk-UA" dirty="0"/>
+                        <a:t>+</a:t>
+                      </a:r>
+                      <a:endParaRPr lang="en-US" dirty="0"/>
+                    </a:p>
+                  </a:txBody>
+                  <a:tcPr/>
+                </a:tc>
+                <a:tc>
+                  <a:txBody>
+                    <a:bodyPr/>
+                    <a:lstStyle/>
+                    <a:p>
+                      <a:pPr algn="ctr"/>
+                      <a:r>
+                        <a:rPr lang="uk-UA" dirty="0"/>
+                        <a:t>-</a:t>
+                      </a:r>
+                      <a:endParaRPr lang="en-US" dirty="0"/>
+                    </a:p>
+                  </a:txBody>
+                  <a:tcPr/>
+                </a:tc>
+                <a:extLst>
+                  <a:ext uri="{0D108BD9-81ED-4DB2-BD59-A6C34878D82A}">
+                    <a16:rowId xmlns:a16="http://schemas.microsoft.com/office/drawing/2014/main" val="3769844829"/>
+                  </a:ext>
+                </a:extLst>
+              </a:tr>
+              <a:tr h="370840">
+                <a:tc>
+                  <a:txBody>
+                    <a:bodyPr/>
+                    <a:lstStyle/>
+                    <a:p>
+                      <a:pPr algn="ctr"/>
+                      <a:r>
+                        <a:rPr lang="uk-UA" dirty="0"/>
+                        <a:t>Висока стабільність та швидкість</a:t>
+                      </a:r>
+                      <a:endParaRPr lang="en-US" dirty="0"/>
+                    </a:p>
+                  </a:txBody>
+                  <a:tcPr/>
+                </a:tc>
+                <a:tc>
+                  <a:txBody>
+                    <a:bodyPr/>
+                    <a:lstStyle/>
+                    <a:p>
+                      <a:pPr algn="ctr"/>
+                      <a:r>
+                        <a:rPr lang="uk-UA" dirty="0"/>
+                        <a:t>+</a:t>
+                      </a:r>
+                      <a:endParaRPr lang="en-US" dirty="0"/>
+                    </a:p>
+                  </a:txBody>
+                  <a:tcPr/>
+                </a:tc>
+                <a:tc>
+                  <a:txBody>
+                    <a:bodyPr/>
+                    <a:lstStyle/>
+                    <a:p>
+                      <a:pPr algn="ctr"/>
+                      <a:r>
+                        <a:rPr lang="uk-UA" dirty="0"/>
+                        <a:t>-</a:t>
+                      </a:r>
+                      <a:endParaRPr lang="en-US" dirty="0"/>
+                    </a:p>
+                  </a:txBody>
+                  <a:tcPr/>
+                </a:tc>
+                <a:extLst>
+                  <a:ext uri="{0D108BD9-81ED-4DB2-BD59-A6C34878D82A}">
+                    <a16:rowId xmlns:a16="http://schemas.microsoft.com/office/drawing/2014/main" val="3482627667"/>
+                  </a:ext>
+                </a:extLst>
+              </a:tr>
+              <a:tr h="370840">
+                <a:tc>
+                  <a:txBody>
+                    <a:bodyPr/>
+                    <a:lstStyle/>
+                    <a:p>
+                      <a:pPr algn="ctr"/>
+                      <a:r>
+                        <a:rPr lang="uk-UA" dirty="0"/>
+                        <a:t>Мале споживання ресурсів</a:t>
+                      </a:r>
+                      <a:endParaRPr lang="en-US" dirty="0"/>
+                    </a:p>
+                  </a:txBody>
+                  <a:tcPr/>
+                </a:tc>
+                <a:tc>
+                  <a:txBody>
+                    <a:bodyPr/>
+                    <a:lstStyle/>
+                    <a:p>
+                      <a:pPr algn="ctr"/>
+                      <a:r>
+                        <a:rPr lang="uk-UA" dirty="0"/>
+                        <a:t>+</a:t>
+                      </a:r>
+                      <a:endParaRPr lang="en-US" dirty="0"/>
+                    </a:p>
+                  </a:txBody>
+                  <a:tcPr/>
+                </a:tc>
+                <a:tc>
+                  <a:txBody>
+                    <a:bodyPr/>
+                    <a:lstStyle/>
+                    <a:p>
+                      <a:pPr algn="ctr"/>
+                      <a:r>
+                        <a:rPr lang="uk-UA" dirty="0"/>
+                        <a:t>+</a:t>
+                      </a:r>
+                      <a:endParaRPr lang="en-US" dirty="0"/>
+                    </a:p>
+                  </a:txBody>
+                  <a:tcPr/>
+                </a:tc>
+                <a:extLst>
+                  <a:ext uri="{0D108BD9-81ED-4DB2-BD59-A6C34878D82A}">
+                    <a16:rowId xmlns:a16="http://schemas.microsoft.com/office/drawing/2014/main" val="3976231906"/>
+                  </a:ext>
+                </a:extLst>
+              </a:tr>
+            </a:tbl>
+          </a:graphicData>
+        </a:graphic>
+      </p:graphicFrame>
+    </p:spTree>
+    <p:extLst>
+      <p:ext uri="{BB962C8B-B14F-4D97-AF65-F5344CB8AC3E}">
+        <p14:creationId xmlns:p14="http://schemas.microsoft.com/office/powerpoint/2010/main" val="3417494062"/>
+      </p:ext>
+    </p:extLst>
+  </p:cSld>
+  <p:clrMapOvr>
+    <a:masterClrMapping/>
+  </p:clrMapOvr>
+</p:sld>
+</file>
+
 <file path=ppt/slides/slide6.xml><?xml version="1.0" encoding="utf-8"?>
 <p:sld xmlns:a="http://schemas.openxmlformats.org/drawingml/2006/main" xmlns:r="http://schemas.openxmlformats.org/officeDocument/2006/relationships" xmlns:p="http://schemas.openxmlformats.org/presentationml/2006/main">
   <p:cSld>
@@ -4577,7 +4998,7 @@
     </p:spTree>
     <p:extLst>
       <p:ext uri="{BB962C8B-B14F-4D97-AF65-F5344CB8AC3E}">
-        <p14:creationId xmlns:p14="http://schemas.microsoft.com/office/powerpoint/2010/main" val="38079252"/>
+        <p14:creationId xmlns:p14="http://schemas.microsoft.com/office/powerpoint/2010/main" val="2389591500"/>
       </p:ext>
     </p:extLst>
   </p:cSld>
@@ -4588,6 +5009,122 @@
 </file>
 
 <file path=ppt/slides/slide7.xml><?xml version="1.0" encoding="utf-8"?>
+<p:sld xmlns:a="http://schemas.openxmlformats.org/drawingml/2006/main" xmlns:r="http://schemas.openxmlformats.org/officeDocument/2006/relationships" xmlns:p="http://schemas.openxmlformats.org/presentationml/2006/main">
+  <p:cSld>
+    <p:spTree>
+      <p:nvGrpSpPr>
+        <p:cNvPr id="1" name=""/>
+        <p:cNvGrpSpPr/>
+        <p:nvPr/>
+      </p:nvGrpSpPr>
+      <p:grpSpPr>
+        <a:xfrm>
+          <a:off x="0" y="0"/>
+          <a:ext cx="0" cy="0"/>
+          <a:chOff x="0" y="0"/>
+          <a:chExt cx="0" cy="0"/>
+        </a:xfrm>
+      </p:grpSpPr>
+      <p:sp>
+        <p:nvSpPr>
+          <p:cNvPr id="2" name="Title 1"/>
+          <p:cNvSpPr>
+            <a:spLocks noGrp="1"/>
+          </p:cNvSpPr>
+          <p:nvPr>
+            <p:ph type="title"/>
+          </p:nvPr>
+        </p:nvSpPr>
+        <p:spPr>
+          <a:xfrm>
+            <a:off x="1297359" y="308038"/>
+            <a:ext cx="9597281" cy="1325563"/>
+          </a:xfrm>
+        </p:spPr>
+        <p:txBody>
+          <a:bodyPr>
+            <a:normAutofit/>
+          </a:bodyPr>
+          <a:lstStyle/>
+          <a:p>
+            <a:pPr algn="ctr"/>
+            <a:r>
+              <a:rPr lang="uk-UA" sz="6000" b="1" dirty="0">
+                <a:solidFill>
+                  <a:srgbClr val="49527C"/>
+                </a:solidFill>
+                <a:latin typeface="Calibri (Основний текст)"/>
+              </a:rPr>
+              <a:t>Діаграма </a:t>
+            </a:r>
+            <a:r>
+              <a:rPr lang="uk-UA" sz="6000" b="1" dirty="0" err="1">
+                <a:solidFill>
+                  <a:srgbClr val="49527C"/>
+                </a:solidFill>
+                <a:latin typeface="Calibri (Основний текст)"/>
+              </a:rPr>
+              <a:t>активностей</a:t>
+            </a:r>
+            <a:endParaRPr lang="en-US" sz="6000" b="1" dirty="0">
+              <a:solidFill>
+                <a:srgbClr val="49527C"/>
+              </a:solidFill>
+              <a:latin typeface="Calibri (Основний текст)"/>
+            </a:endParaRPr>
+          </a:p>
+        </p:txBody>
+      </p:sp>
+      <p:pic>
+        <p:nvPicPr>
+          <p:cNvPr id="5" name="Рисунок 4">
+            <a:extLst>
+              <a:ext uri="{FF2B5EF4-FFF2-40B4-BE49-F238E27FC236}">
+                <a16:creationId xmlns:a16="http://schemas.microsoft.com/office/drawing/2014/main" id="{D875719E-D3C5-484C-B9D3-DB509223AD81}"/>
+              </a:ext>
+            </a:extLst>
+          </p:cNvPr>
+          <p:cNvPicPr>
+            <a:picLocks noChangeAspect="1"/>
+          </p:cNvPicPr>
+          <p:nvPr/>
+        </p:nvPicPr>
+        <p:blipFill>
+          <a:blip r:embed="rId2">
+            <a:extLst>
+              <a:ext uri="{28A0092B-C50C-407E-A947-70E740481C1C}">
+                <a14:useLocalDpi xmlns:a14="http://schemas.microsoft.com/office/drawing/2010/main" val="0"/>
+              </a:ext>
+            </a:extLst>
+          </a:blip>
+          <a:stretch>
+            <a:fillRect/>
+          </a:stretch>
+        </p:blipFill>
+        <p:spPr>
+          <a:xfrm>
+            <a:off x="2509836" y="1362075"/>
+            <a:ext cx="7172325" cy="5353050"/>
+          </a:xfrm>
+          <a:prstGeom prst="rect">
+            <a:avLst/>
+          </a:prstGeom>
+        </p:spPr>
+      </p:pic>
+    </p:spTree>
+    <p:extLst>
+      <p:ext uri="{BB962C8B-B14F-4D97-AF65-F5344CB8AC3E}">
+        <p14:creationId xmlns:p14="http://schemas.microsoft.com/office/powerpoint/2010/main" val="854996886"/>
+      </p:ext>
+    </p:extLst>
+  </p:cSld>
+  <p:clrMapOvr>
+    <a:masterClrMapping/>
+  </p:clrMapOvr>
+</p:sld>
+</file>
+
+<file path=ppt/slides/slide8.xml><?xml version="1.0" encoding="utf-8"?>
 <p:sld xmlns:a="http://schemas.openxmlformats.org/drawingml/2006/main" xmlns:r="http://schemas.openxmlformats.org/officeDocument/2006/relationships" xmlns:p="http://schemas.openxmlformats.org/presentationml/2006/main">
   <p:cSld>
     <p:spTree>
@@ -4674,7 +5211,7 @@
         </p:blipFill>
         <p:spPr bwMode="auto">
           <a:xfrm>
-            <a:off x="6130616" y="1837225"/>
+            <a:off x="6930737" y="2247675"/>
             <a:ext cx="2861619" cy="1907746"/>
           </a:xfrm>
           <a:prstGeom prst="rect">
@@ -4721,7 +5258,7 @@
         </p:blipFill>
         <p:spPr bwMode="auto">
           <a:xfrm>
-            <a:off x="2147977" y="3514953"/>
+            <a:off x="1588074" y="4706806"/>
             <a:ext cx="2286000" cy="685800"/>
           </a:xfrm>
           <a:prstGeom prst="rect">
@@ -4768,7 +5305,7 @@
         </p:blipFill>
         <p:spPr bwMode="auto">
           <a:xfrm>
-            <a:off x="9279629" y="1920913"/>
+            <a:off x="9666807" y="2376734"/>
             <a:ext cx="1649628" cy="1649628"/>
           </a:xfrm>
           <a:prstGeom prst="rect">
@@ -4815,7 +5352,7 @@
         </p:blipFill>
         <p:spPr bwMode="auto">
           <a:xfrm>
-            <a:off x="6130616" y="3857853"/>
+            <a:off x="6930737" y="4638912"/>
             <a:ext cx="2512541" cy="1036423"/>
           </a:xfrm>
           <a:prstGeom prst="rect">
@@ -4864,7 +5401,7 @@
         </p:blipFill>
         <p:spPr>
           <a:xfrm>
-            <a:off x="9058837" y="3911226"/>
+            <a:off x="9487204" y="4638912"/>
             <a:ext cx="2432092" cy="876526"/>
           </a:xfrm>
           <a:prstGeom prst="rect">
@@ -4901,7 +5438,7 @@
         </p:blipFill>
         <p:spPr bwMode="auto">
           <a:xfrm>
-            <a:off x="2378115" y="1837225"/>
+            <a:off x="3998814" y="2460754"/>
             <a:ext cx="1649628" cy="1162923"/>
           </a:xfrm>
           <a:prstGeom prst="rect">
@@ -4948,7 +5485,7 @@
         </p:blipFill>
         <p:spPr bwMode="auto">
           <a:xfrm>
-            <a:off x="1996762" y="4590764"/>
+            <a:off x="3715274" y="4424076"/>
             <a:ext cx="2346110" cy="1251259"/>
           </a:xfrm>
           <a:prstGeom prst="rect">
@@ -4964,6 +5501,45 @@
               </a14:hiddenFill>
             </a:ext>
           </a:extLst>
+        </p:spPr>
+      </p:pic>
+      <p:pic>
+        <p:nvPicPr>
+          <p:cNvPr id="11" name="Графіка 10">
+            <a:extLst>
+              <a:ext uri="{FF2B5EF4-FFF2-40B4-BE49-F238E27FC236}">
+                <a16:creationId xmlns:a16="http://schemas.microsoft.com/office/drawing/2014/main" id="{E148F84C-C1D1-4AF0-8D56-D907B626A470}"/>
+              </a:ext>
+            </a:extLst>
+          </p:cNvPr>
+          <p:cNvPicPr>
+            <a:picLocks noChangeAspect="1"/>
+          </p:cNvPicPr>
+          <p:nvPr/>
+        </p:nvPicPr>
+        <p:blipFill>
+          <a:blip r:embed="rId10" cstate="print">
+            <a:extLst>
+              <a:ext uri="{28A0092B-C50C-407E-A947-70E740481C1C}">
+                <a14:useLocalDpi xmlns:a14="http://schemas.microsoft.com/office/drawing/2010/main" val="0"/>
+              </a:ext>
+              <a:ext uri="{96DAC541-7B7A-43D3-8B79-37D633B846F1}">
+                <asvg:svgBlip xmlns:asvg="http://schemas.microsoft.com/office/drawing/2016/SVG/main" r:embed="rId11"/>
+              </a:ext>
+            </a:extLst>
+          </a:blip>
+          <a:stretch>
+            <a:fillRect/>
+          </a:stretch>
+        </p:blipFill>
+        <p:spPr>
+          <a:xfrm>
+            <a:off x="1955570" y="2460754"/>
+            <a:ext cx="1325563" cy="1325563"/>
+          </a:xfrm>
+          <a:prstGeom prst="rect">
+            <a:avLst/>
+          </a:prstGeom>
         </p:spPr>
       </p:pic>
     </p:spTree>
